--- a/docs/Examples/Engines/OffDesignSim/makeFig.pptx
+++ b/docs/Examples/Engines/OffDesignSim/makeFig.pptx
@@ -5,8 +5,8 @@
     <p:sldMasterId id="2147483648" r:id="rId1"/>
   </p:sldMasterIdLst>
   <p:sldIdLst>
-    <p:sldId id="296" r:id="rId3"/>
-    <p:sldId id="297" r:id="rId4"/>
+    <p:sldId id="296" r:id="rId2"/>
+    <p:sldId id="297" r:id="rId3"/>
   </p:sldIdLst>
   <p:sldSz cx="12192000" cy="6858000"/>
   <p:notesSz cx="6858000" cy="9144000"/>
@@ -110,14 +110,17 @@
       <p14:sectionLst xmlns:p14="http://schemas.microsoft.com/office/powerpoint/2010/main">
         <p14:section name="LycomO360_ex01" id="{6B690D0E-0492-4E7E-9F0D-4464CC80CCFB}">
           <p14:sldIdLst>
+            <p14:sldId id="296"/>
             <p14:sldId id="297"/>
-            <p14:sldId id="296"/>
           </p14:sldIdLst>
         </p14:section>
-        <p14:section name="タイトルなしのセクション" id="{ee25ae9c-9a26-4ed4-8efe-a9be1c7d2510}">
+        <p14:section name="タイトルなしのセクション" id="{EE25AE9C-9A26-4ED4-8EFE-A9BE1C7D2510}">
           <p14:sldIdLst/>
         </p14:section>
       </p14:sectionLst>
+    </p:ext>
+    <p:ext uri="{EFAFB233-063F-42B5-8137-9DF3F51BA10A}">
+      <p15:sldGuideLst xmlns:p15="http://schemas.microsoft.com/office/powerpoint/2012/main"/>
     </p:ext>
   </p:extLst>
 </p:presentation>
@@ -168,7 +171,6 @@
               <a:rPr kumimoji="1" lang="ja-JP" altLang="en-US"/>
               <a:t>マスター タイトルの書式設定</a:t>
             </a:r>
-            <a:endParaRPr kumimoji="1" lang="ja-JP" altLang="en-US"/>
           </a:p>
         </p:txBody>
       </p:sp>
@@ -233,7 +235,6 @@
               <a:rPr kumimoji="1" lang="ja-JP" altLang="en-US"/>
               <a:t>マスター サブタイトルの書式設定</a:t>
             </a:r>
-            <a:endParaRPr kumimoji="1" lang="ja-JP" altLang="en-US"/>
           </a:p>
         </p:txBody>
       </p:sp>
@@ -254,6 +255,7 @@
           <a:p>
             <a:fld id="{7A42870F-4E67-46E2-8F18-B2501CC1ED92}" type="datetimeFigureOut">
               <a:rPr kumimoji="1" lang="ja-JP" altLang="en-US" smtClean="0"/>
+              <a:t>2021/7/27</a:t>
             </a:fld>
             <a:endParaRPr kumimoji="1" lang="ja-JP" altLang="en-US"/>
           </a:p>
@@ -295,6 +297,7 @@
           <a:p>
             <a:fld id="{36BFA407-E3F7-4BB5-855E-B0C3295D223F}" type="slidenum">
               <a:rPr kumimoji="1" lang="ja-JP" altLang="en-US" smtClean="0"/>
+              <a:t>‹#›</a:t>
             </a:fld>
             <a:endParaRPr kumimoji="1" lang="ja-JP" altLang="en-US"/>
           </a:p>
@@ -344,7 +347,6 @@
               <a:rPr kumimoji="1" lang="ja-JP" altLang="en-US"/>
               <a:t>マスター タイトルの書式設定</a:t>
             </a:r>
-            <a:endParaRPr kumimoji="1" lang="ja-JP" altLang="en-US"/>
           </a:p>
         </p:txBody>
       </p:sp>
@@ -368,7 +370,6 @@
               <a:rPr kumimoji="1" lang="ja-JP" altLang="en-US"/>
               <a:t>マスター テキストの書式設定</a:t>
             </a:r>
-            <a:endParaRPr kumimoji="1" lang="ja-JP" altLang="en-US"/>
           </a:p>
           <a:p>
             <a:pPr lvl="1"/>
@@ -384,7 +385,6 @@
               <a:rPr kumimoji="1" lang="ja-JP" altLang="en-US"/>
               <a:t>レベル</a:t>
             </a:r>
-            <a:endParaRPr kumimoji="1" lang="ja-JP" altLang="en-US"/>
           </a:p>
           <a:p>
             <a:pPr lvl="2"/>
@@ -400,7 +400,6 @@
               <a:rPr kumimoji="1" lang="ja-JP" altLang="en-US"/>
               <a:t>レベル</a:t>
             </a:r>
-            <a:endParaRPr kumimoji="1" lang="ja-JP" altLang="en-US"/>
           </a:p>
           <a:p>
             <a:pPr lvl="3"/>
@@ -416,7 +415,6 @@
               <a:rPr kumimoji="1" lang="ja-JP" altLang="en-US"/>
               <a:t>レベル</a:t>
             </a:r>
-            <a:endParaRPr kumimoji="1" lang="ja-JP" altLang="en-US"/>
           </a:p>
           <a:p>
             <a:pPr lvl="4"/>
@@ -432,7 +430,6 @@
               <a:rPr kumimoji="1" lang="ja-JP" altLang="en-US"/>
               <a:t>レベル</a:t>
             </a:r>
-            <a:endParaRPr kumimoji="1" lang="ja-JP" altLang="en-US"/>
           </a:p>
         </p:txBody>
       </p:sp>
@@ -453,6 +450,7 @@
           <a:p>
             <a:fld id="{7A42870F-4E67-46E2-8F18-B2501CC1ED92}" type="datetimeFigureOut">
               <a:rPr kumimoji="1" lang="ja-JP" altLang="en-US" smtClean="0"/>
+              <a:t>2021/7/27</a:t>
             </a:fld>
             <a:endParaRPr kumimoji="1" lang="ja-JP" altLang="en-US"/>
           </a:p>
@@ -494,6 +492,7 @@
           <a:p>
             <a:fld id="{36BFA407-E3F7-4BB5-855E-B0C3295D223F}" type="slidenum">
               <a:rPr kumimoji="1" lang="ja-JP" altLang="en-US" smtClean="0"/>
+              <a:t>‹#›</a:t>
             </a:fld>
             <a:endParaRPr kumimoji="1" lang="ja-JP" altLang="en-US"/>
           </a:p>
@@ -548,7 +547,6 @@
               <a:rPr kumimoji="1" lang="ja-JP" altLang="en-US"/>
               <a:t>マスター タイトルの書式設定</a:t>
             </a:r>
-            <a:endParaRPr kumimoji="1" lang="ja-JP" altLang="en-US"/>
           </a:p>
         </p:txBody>
       </p:sp>
@@ -577,7 +575,6 @@
               <a:rPr kumimoji="1" lang="ja-JP" altLang="en-US"/>
               <a:t>マスター テキストの書式設定</a:t>
             </a:r>
-            <a:endParaRPr kumimoji="1" lang="ja-JP" altLang="en-US"/>
           </a:p>
           <a:p>
             <a:pPr lvl="1"/>
@@ -593,7 +590,6 @@
               <a:rPr kumimoji="1" lang="ja-JP" altLang="en-US"/>
               <a:t>レベル</a:t>
             </a:r>
-            <a:endParaRPr kumimoji="1" lang="ja-JP" altLang="en-US"/>
           </a:p>
           <a:p>
             <a:pPr lvl="2"/>
@@ -609,7 +605,6 @@
               <a:rPr kumimoji="1" lang="ja-JP" altLang="en-US"/>
               <a:t>レベル</a:t>
             </a:r>
-            <a:endParaRPr kumimoji="1" lang="ja-JP" altLang="en-US"/>
           </a:p>
           <a:p>
             <a:pPr lvl="3"/>
@@ -625,7 +620,6 @@
               <a:rPr kumimoji="1" lang="ja-JP" altLang="en-US"/>
               <a:t>レベル</a:t>
             </a:r>
-            <a:endParaRPr kumimoji="1" lang="ja-JP" altLang="en-US"/>
           </a:p>
           <a:p>
             <a:pPr lvl="4"/>
@@ -641,7 +635,6 @@
               <a:rPr kumimoji="1" lang="ja-JP" altLang="en-US"/>
               <a:t>レベル</a:t>
             </a:r>
-            <a:endParaRPr kumimoji="1" lang="ja-JP" altLang="en-US"/>
           </a:p>
         </p:txBody>
       </p:sp>
@@ -662,6 +655,7 @@
           <a:p>
             <a:fld id="{7A42870F-4E67-46E2-8F18-B2501CC1ED92}" type="datetimeFigureOut">
               <a:rPr kumimoji="1" lang="ja-JP" altLang="en-US" smtClean="0"/>
+              <a:t>2021/7/27</a:t>
             </a:fld>
             <a:endParaRPr kumimoji="1" lang="ja-JP" altLang="en-US"/>
           </a:p>
@@ -703,6 +697,7 @@
           <a:p>
             <a:fld id="{36BFA407-E3F7-4BB5-855E-B0C3295D223F}" type="slidenum">
               <a:rPr kumimoji="1" lang="ja-JP" altLang="en-US" smtClean="0"/>
+              <a:t>‹#›</a:t>
             </a:fld>
             <a:endParaRPr kumimoji="1" lang="ja-JP" altLang="en-US"/>
           </a:p>
@@ -837,7 +832,6 @@
               <a:rPr kumimoji="1" lang="ja-JP" altLang="en-US"/>
               <a:t>マスター タイトルの書式設定</a:t>
             </a:r>
-            <a:endParaRPr kumimoji="1" lang="ja-JP" altLang="en-US"/>
           </a:p>
         </p:txBody>
       </p:sp>
@@ -861,7 +855,6 @@
               <a:rPr kumimoji="1" lang="ja-JP" altLang="en-US"/>
               <a:t>マスター テキストの書式設定</a:t>
             </a:r>
-            <a:endParaRPr kumimoji="1" lang="ja-JP" altLang="en-US"/>
           </a:p>
           <a:p>
             <a:pPr lvl="1"/>
@@ -877,7 +870,6 @@
               <a:rPr kumimoji="1" lang="ja-JP" altLang="en-US"/>
               <a:t>レベル</a:t>
             </a:r>
-            <a:endParaRPr kumimoji="1" lang="ja-JP" altLang="en-US"/>
           </a:p>
           <a:p>
             <a:pPr lvl="2"/>
@@ -893,7 +885,6 @@
               <a:rPr kumimoji="1" lang="ja-JP" altLang="en-US"/>
               <a:t>レベル</a:t>
             </a:r>
-            <a:endParaRPr kumimoji="1" lang="ja-JP" altLang="en-US"/>
           </a:p>
           <a:p>
             <a:pPr lvl="3"/>
@@ -909,7 +900,6 @@
               <a:rPr kumimoji="1" lang="ja-JP" altLang="en-US"/>
               <a:t>レベル</a:t>
             </a:r>
-            <a:endParaRPr kumimoji="1" lang="ja-JP" altLang="en-US"/>
           </a:p>
           <a:p>
             <a:pPr lvl="4"/>
@@ -925,7 +915,6 @@
               <a:rPr kumimoji="1" lang="ja-JP" altLang="en-US"/>
               <a:t>レベル</a:t>
             </a:r>
-            <a:endParaRPr kumimoji="1" lang="ja-JP" altLang="en-US"/>
           </a:p>
         </p:txBody>
       </p:sp>
@@ -946,6 +935,7 @@
           <a:p>
             <a:fld id="{7A42870F-4E67-46E2-8F18-B2501CC1ED92}" type="datetimeFigureOut">
               <a:rPr kumimoji="1" lang="ja-JP" altLang="en-US" smtClean="0"/>
+              <a:t>2021/7/27</a:t>
             </a:fld>
             <a:endParaRPr kumimoji="1" lang="ja-JP" altLang="en-US"/>
           </a:p>
@@ -987,6 +977,7 @@
           <a:p>
             <a:fld id="{36BFA407-E3F7-4BB5-855E-B0C3295D223F}" type="slidenum">
               <a:rPr kumimoji="1" lang="ja-JP" altLang="en-US" smtClean="0"/>
+              <a:t>‹#›</a:t>
             </a:fld>
             <a:endParaRPr kumimoji="1" lang="ja-JP" altLang="en-US"/>
           </a:p>
@@ -1045,7 +1036,6 @@
               <a:rPr kumimoji="1" lang="ja-JP" altLang="en-US"/>
               <a:t>マスター タイトルの書式設定</a:t>
             </a:r>
-            <a:endParaRPr kumimoji="1" lang="ja-JP" altLang="en-US"/>
           </a:p>
         </p:txBody>
       </p:sp>
@@ -1165,7 +1155,6 @@
               <a:rPr kumimoji="1" lang="ja-JP" altLang="en-US"/>
               <a:t>マスター テキストの書式設定</a:t>
             </a:r>
-            <a:endParaRPr kumimoji="1" lang="ja-JP" altLang="en-US"/>
           </a:p>
         </p:txBody>
       </p:sp>
@@ -1186,6 +1175,7 @@
           <a:p>
             <a:fld id="{7A42870F-4E67-46E2-8F18-B2501CC1ED92}" type="datetimeFigureOut">
               <a:rPr kumimoji="1" lang="ja-JP" altLang="en-US" smtClean="0"/>
+              <a:t>2021/7/27</a:t>
             </a:fld>
             <a:endParaRPr kumimoji="1" lang="ja-JP" altLang="en-US"/>
           </a:p>
@@ -1227,6 +1217,7 @@
           <a:p>
             <a:fld id="{36BFA407-E3F7-4BB5-855E-B0C3295D223F}" type="slidenum">
               <a:rPr kumimoji="1" lang="ja-JP" altLang="en-US" smtClean="0"/>
+              <a:t>‹#›</a:t>
             </a:fld>
             <a:endParaRPr kumimoji="1" lang="ja-JP" altLang="en-US"/>
           </a:p>
@@ -1276,7 +1267,6 @@
               <a:rPr kumimoji="1" lang="ja-JP" altLang="en-US"/>
               <a:t>マスター タイトルの書式設定</a:t>
             </a:r>
-            <a:endParaRPr kumimoji="1" lang="ja-JP" altLang="en-US"/>
           </a:p>
         </p:txBody>
       </p:sp>
@@ -1305,7 +1295,6 @@
               <a:rPr kumimoji="1" lang="ja-JP" altLang="en-US"/>
               <a:t>マスター テキストの書式設定</a:t>
             </a:r>
-            <a:endParaRPr kumimoji="1" lang="ja-JP" altLang="en-US"/>
           </a:p>
           <a:p>
             <a:pPr lvl="1"/>
@@ -1321,7 +1310,6 @@
               <a:rPr kumimoji="1" lang="ja-JP" altLang="en-US"/>
               <a:t>レベル</a:t>
             </a:r>
-            <a:endParaRPr kumimoji="1" lang="ja-JP" altLang="en-US"/>
           </a:p>
           <a:p>
             <a:pPr lvl="2"/>
@@ -1337,7 +1325,6 @@
               <a:rPr kumimoji="1" lang="ja-JP" altLang="en-US"/>
               <a:t>レベル</a:t>
             </a:r>
-            <a:endParaRPr kumimoji="1" lang="ja-JP" altLang="en-US"/>
           </a:p>
           <a:p>
             <a:pPr lvl="3"/>
@@ -1353,7 +1340,6 @@
               <a:rPr kumimoji="1" lang="ja-JP" altLang="en-US"/>
               <a:t>レベル</a:t>
             </a:r>
-            <a:endParaRPr kumimoji="1" lang="ja-JP" altLang="en-US"/>
           </a:p>
           <a:p>
             <a:pPr lvl="4"/>
@@ -1369,7 +1355,6 @@
               <a:rPr kumimoji="1" lang="ja-JP" altLang="en-US"/>
               <a:t>レベル</a:t>
             </a:r>
-            <a:endParaRPr kumimoji="1" lang="ja-JP" altLang="en-US"/>
           </a:p>
         </p:txBody>
       </p:sp>
@@ -1398,7 +1383,6 @@
               <a:rPr kumimoji="1" lang="ja-JP" altLang="en-US"/>
               <a:t>マスター テキストの書式設定</a:t>
             </a:r>
-            <a:endParaRPr kumimoji="1" lang="ja-JP" altLang="en-US"/>
           </a:p>
           <a:p>
             <a:pPr lvl="1"/>
@@ -1414,7 +1398,6 @@
               <a:rPr kumimoji="1" lang="ja-JP" altLang="en-US"/>
               <a:t>レベル</a:t>
             </a:r>
-            <a:endParaRPr kumimoji="1" lang="ja-JP" altLang="en-US"/>
           </a:p>
           <a:p>
             <a:pPr lvl="2"/>
@@ -1430,7 +1413,6 @@
               <a:rPr kumimoji="1" lang="ja-JP" altLang="en-US"/>
               <a:t>レベル</a:t>
             </a:r>
-            <a:endParaRPr kumimoji="1" lang="ja-JP" altLang="en-US"/>
           </a:p>
           <a:p>
             <a:pPr lvl="3"/>
@@ -1446,7 +1428,6 @@
               <a:rPr kumimoji="1" lang="ja-JP" altLang="en-US"/>
               <a:t>レベル</a:t>
             </a:r>
-            <a:endParaRPr kumimoji="1" lang="ja-JP" altLang="en-US"/>
           </a:p>
           <a:p>
             <a:pPr lvl="4"/>
@@ -1462,7 +1443,6 @@
               <a:rPr kumimoji="1" lang="ja-JP" altLang="en-US"/>
               <a:t>レベル</a:t>
             </a:r>
-            <a:endParaRPr kumimoji="1" lang="ja-JP" altLang="en-US"/>
           </a:p>
         </p:txBody>
       </p:sp>
@@ -1483,6 +1463,7 @@
           <a:p>
             <a:fld id="{7A42870F-4E67-46E2-8F18-B2501CC1ED92}" type="datetimeFigureOut">
               <a:rPr kumimoji="1" lang="ja-JP" altLang="en-US" smtClean="0"/>
+              <a:t>2021/7/27</a:t>
             </a:fld>
             <a:endParaRPr kumimoji="1" lang="ja-JP" altLang="en-US"/>
           </a:p>
@@ -1524,6 +1505,7 @@
           <a:p>
             <a:fld id="{36BFA407-E3F7-4BB5-855E-B0C3295D223F}" type="slidenum">
               <a:rPr kumimoji="1" lang="ja-JP" altLang="en-US" smtClean="0"/>
+              <a:t>‹#›</a:t>
             </a:fld>
             <a:endParaRPr kumimoji="1" lang="ja-JP" altLang="en-US"/>
           </a:p>
@@ -1578,7 +1560,6 @@
               <a:rPr kumimoji="1" lang="ja-JP" altLang="en-US"/>
               <a:t>マスター タイトルの書式設定</a:t>
             </a:r>
-            <a:endParaRPr kumimoji="1" lang="ja-JP" altLang="en-US"/>
           </a:p>
         </p:txBody>
       </p:sp>
@@ -1644,7 +1625,6 @@
               <a:rPr kumimoji="1" lang="ja-JP" altLang="en-US"/>
               <a:t>マスター テキストの書式設定</a:t>
             </a:r>
-            <a:endParaRPr kumimoji="1" lang="ja-JP" altLang="en-US"/>
           </a:p>
         </p:txBody>
       </p:sp>
@@ -1673,7 +1653,6 @@
               <a:rPr kumimoji="1" lang="ja-JP" altLang="en-US"/>
               <a:t>マスター テキストの書式設定</a:t>
             </a:r>
-            <a:endParaRPr kumimoji="1" lang="ja-JP" altLang="en-US"/>
           </a:p>
           <a:p>
             <a:pPr lvl="1"/>
@@ -1689,7 +1668,6 @@
               <a:rPr kumimoji="1" lang="ja-JP" altLang="en-US"/>
               <a:t>レベル</a:t>
             </a:r>
-            <a:endParaRPr kumimoji="1" lang="ja-JP" altLang="en-US"/>
           </a:p>
           <a:p>
             <a:pPr lvl="2"/>
@@ -1705,7 +1683,6 @@
               <a:rPr kumimoji="1" lang="ja-JP" altLang="en-US"/>
               <a:t>レベル</a:t>
             </a:r>
-            <a:endParaRPr kumimoji="1" lang="ja-JP" altLang="en-US"/>
           </a:p>
           <a:p>
             <a:pPr lvl="3"/>
@@ -1721,7 +1698,6 @@
               <a:rPr kumimoji="1" lang="ja-JP" altLang="en-US"/>
               <a:t>レベル</a:t>
             </a:r>
-            <a:endParaRPr kumimoji="1" lang="ja-JP" altLang="en-US"/>
           </a:p>
           <a:p>
             <a:pPr lvl="4"/>
@@ -1737,7 +1713,6 @@
               <a:rPr kumimoji="1" lang="ja-JP" altLang="en-US"/>
               <a:t>レベル</a:t>
             </a:r>
-            <a:endParaRPr kumimoji="1" lang="ja-JP" altLang="en-US"/>
           </a:p>
         </p:txBody>
       </p:sp>
@@ -1803,7 +1778,6 @@
               <a:rPr kumimoji="1" lang="ja-JP" altLang="en-US"/>
               <a:t>マスター テキストの書式設定</a:t>
             </a:r>
-            <a:endParaRPr kumimoji="1" lang="ja-JP" altLang="en-US"/>
           </a:p>
         </p:txBody>
       </p:sp>
@@ -1832,7 +1806,6 @@
               <a:rPr kumimoji="1" lang="ja-JP" altLang="en-US"/>
               <a:t>マスター テキストの書式設定</a:t>
             </a:r>
-            <a:endParaRPr kumimoji="1" lang="ja-JP" altLang="en-US"/>
           </a:p>
           <a:p>
             <a:pPr lvl="1"/>
@@ -1848,7 +1821,6 @@
               <a:rPr kumimoji="1" lang="ja-JP" altLang="en-US"/>
               <a:t>レベル</a:t>
             </a:r>
-            <a:endParaRPr kumimoji="1" lang="ja-JP" altLang="en-US"/>
           </a:p>
           <a:p>
             <a:pPr lvl="2"/>
@@ -1864,7 +1836,6 @@
               <a:rPr kumimoji="1" lang="ja-JP" altLang="en-US"/>
               <a:t>レベル</a:t>
             </a:r>
-            <a:endParaRPr kumimoji="1" lang="ja-JP" altLang="en-US"/>
           </a:p>
           <a:p>
             <a:pPr lvl="3"/>
@@ -1880,7 +1851,6 @@
               <a:rPr kumimoji="1" lang="ja-JP" altLang="en-US"/>
               <a:t>レベル</a:t>
             </a:r>
-            <a:endParaRPr kumimoji="1" lang="ja-JP" altLang="en-US"/>
           </a:p>
           <a:p>
             <a:pPr lvl="4"/>
@@ -1896,7 +1866,6 @@
               <a:rPr kumimoji="1" lang="ja-JP" altLang="en-US"/>
               <a:t>レベル</a:t>
             </a:r>
-            <a:endParaRPr kumimoji="1" lang="ja-JP" altLang="en-US"/>
           </a:p>
         </p:txBody>
       </p:sp>
@@ -1917,6 +1886,7 @@
           <a:p>
             <a:fld id="{7A42870F-4E67-46E2-8F18-B2501CC1ED92}" type="datetimeFigureOut">
               <a:rPr kumimoji="1" lang="ja-JP" altLang="en-US" smtClean="0"/>
+              <a:t>2021/7/27</a:t>
             </a:fld>
             <a:endParaRPr kumimoji="1" lang="ja-JP" altLang="en-US"/>
           </a:p>
@@ -1958,6 +1928,7 @@
           <a:p>
             <a:fld id="{36BFA407-E3F7-4BB5-855E-B0C3295D223F}" type="slidenum">
               <a:rPr kumimoji="1" lang="ja-JP" altLang="en-US" smtClean="0"/>
+              <a:t>‹#›</a:t>
             </a:fld>
             <a:endParaRPr kumimoji="1" lang="ja-JP" altLang="en-US"/>
           </a:p>
@@ -2007,7 +1978,6 @@
               <a:rPr kumimoji="1" lang="ja-JP" altLang="en-US"/>
               <a:t>マスター タイトルの書式設定</a:t>
             </a:r>
-            <a:endParaRPr kumimoji="1" lang="ja-JP" altLang="en-US"/>
           </a:p>
         </p:txBody>
       </p:sp>
@@ -2028,6 +1998,7 @@
           <a:p>
             <a:fld id="{7A42870F-4E67-46E2-8F18-B2501CC1ED92}" type="datetimeFigureOut">
               <a:rPr kumimoji="1" lang="ja-JP" altLang="en-US" smtClean="0"/>
+              <a:t>2021/7/27</a:t>
             </a:fld>
             <a:endParaRPr kumimoji="1" lang="ja-JP" altLang="en-US"/>
           </a:p>
@@ -2069,6 +2040,7 @@
           <a:p>
             <a:fld id="{36BFA407-E3F7-4BB5-855E-B0C3295D223F}" type="slidenum">
               <a:rPr kumimoji="1" lang="ja-JP" altLang="en-US" smtClean="0"/>
+              <a:t>‹#›</a:t>
             </a:fld>
             <a:endParaRPr kumimoji="1" lang="ja-JP" altLang="en-US"/>
           </a:p>
@@ -2116,6 +2088,7 @@
           <a:p>
             <a:fld id="{7A42870F-4E67-46E2-8F18-B2501CC1ED92}" type="datetimeFigureOut">
               <a:rPr kumimoji="1" lang="ja-JP" altLang="en-US" smtClean="0"/>
+              <a:t>2021/7/27</a:t>
             </a:fld>
             <a:endParaRPr kumimoji="1" lang="ja-JP" altLang="en-US"/>
           </a:p>
@@ -2157,6 +2130,7 @@
           <a:p>
             <a:fld id="{36BFA407-E3F7-4BB5-855E-B0C3295D223F}" type="slidenum">
               <a:rPr kumimoji="1" lang="ja-JP" altLang="en-US" smtClean="0"/>
+              <a:t>‹#›</a:t>
             </a:fld>
             <a:endParaRPr kumimoji="1" lang="ja-JP" altLang="en-US"/>
           </a:p>
@@ -2215,7 +2189,6 @@
               <a:rPr kumimoji="1" lang="ja-JP" altLang="en-US"/>
               <a:t>マスター タイトルの書式設定</a:t>
             </a:r>
-            <a:endParaRPr kumimoji="1" lang="ja-JP" altLang="en-US"/>
           </a:p>
         </p:txBody>
       </p:sp>
@@ -2272,7 +2245,6 @@
               <a:rPr kumimoji="1" lang="ja-JP" altLang="en-US"/>
               <a:t>マスター テキストの書式設定</a:t>
             </a:r>
-            <a:endParaRPr kumimoji="1" lang="ja-JP" altLang="en-US"/>
           </a:p>
           <a:p>
             <a:pPr lvl="1"/>
@@ -2288,7 +2260,6 @@
               <a:rPr kumimoji="1" lang="ja-JP" altLang="en-US"/>
               <a:t>レベル</a:t>
             </a:r>
-            <a:endParaRPr kumimoji="1" lang="ja-JP" altLang="en-US"/>
           </a:p>
           <a:p>
             <a:pPr lvl="2"/>
@@ -2304,7 +2275,6 @@
               <a:rPr kumimoji="1" lang="ja-JP" altLang="en-US"/>
               <a:t>レベル</a:t>
             </a:r>
-            <a:endParaRPr kumimoji="1" lang="ja-JP" altLang="en-US"/>
           </a:p>
           <a:p>
             <a:pPr lvl="3"/>
@@ -2320,7 +2290,6 @@
               <a:rPr kumimoji="1" lang="ja-JP" altLang="en-US"/>
               <a:t>レベル</a:t>
             </a:r>
-            <a:endParaRPr kumimoji="1" lang="ja-JP" altLang="en-US"/>
           </a:p>
           <a:p>
             <a:pPr lvl="4"/>
@@ -2336,7 +2305,6 @@
               <a:rPr kumimoji="1" lang="ja-JP" altLang="en-US"/>
               <a:t>レベル</a:t>
             </a:r>
-            <a:endParaRPr kumimoji="1" lang="ja-JP" altLang="en-US"/>
           </a:p>
         </p:txBody>
       </p:sp>
@@ -2402,7 +2370,6 @@
               <a:rPr kumimoji="1" lang="ja-JP" altLang="en-US"/>
               <a:t>マスター テキストの書式設定</a:t>
             </a:r>
-            <a:endParaRPr kumimoji="1" lang="ja-JP" altLang="en-US"/>
           </a:p>
         </p:txBody>
       </p:sp>
@@ -2423,6 +2390,7 @@
           <a:p>
             <a:fld id="{7A42870F-4E67-46E2-8F18-B2501CC1ED92}" type="datetimeFigureOut">
               <a:rPr kumimoji="1" lang="ja-JP" altLang="en-US" smtClean="0"/>
+              <a:t>2021/7/27</a:t>
             </a:fld>
             <a:endParaRPr kumimoji="1" lang="ja-JP" altLang="en-US"/>
           </a:p>
@@ -2464,6 +2432,7 @@
           <a:p>
             <a:fld id="{36BFA407-E3F7-4BB5-855E-B0C3295D223F}" type="slidenum">
               <a:rPr kumimoji="1" lang="ja-JP" altLang="en-US" smtClean="0"/>
+              <a:t>‹#›</a:t>
             </a:fld>
             <a:endParaRPr kumimoji="1" lang="ja-JP" altLang="en-US"/>
           </a:p>
@@ -2522,7 +2491,6 @@
               <a:rPr kumimoji="1" lang="ja-JP" altLang="en-US"/>
               <a:t>マスター タイトルの書式設定</a:t>
             </a:r>
-            <a:endParaRPr kumimoji="1" lang="ja-JP" altLang="en-US"/>
           </a:p>
         </p:txBody>
       </p:sp>
@@ -2649,7 +2617,6 @@
               <a:rPr kumimoji="1" lang="ja-JP" altLang="en-US"/>
               <a:t>マスター テキストの書式設定</a:t>
             </a:r>
-            <a:endParaRPr kumimoji="1" lang="ja-JP" altLang="en-US"/>
           </a:p>
         </p:txBody>
       </p:sp>
@@ -2670,6 +2637,7 @@
           <a:p>
             <a:fld id="{7A42870F-4E67-46E2-8F18-B2501CC1ED92}" type="datetimeFigureOut">
               <a:rPr kumimoji="1" lang="ja-JP" altLang="en-US" smtClean="0"/>
+              <a:t>2021/7/27</a:t>
             </a:fld>
             <a:endParaRPr kumimoji="1" lang="ja-JP" altLang="en-US"/>
           </a:p>
@@ -2711,6 +2679,7 @@
           <a:p>
             <a:fld id="{36BFA407-E3F7-4BB5-855E-B0C3295D223F}" type="slidenum">
               <a:rPr kumimoji="1" lang="ja-JP" altLang="en-US" smtClean="0"/>
+              <a:t>‹#›</a:t>
             </a:fld>
             <a:endParaRPr kumimoji="1" lang="ja-JP" altLang="en-US"/>
           </a:p>
@@ -2775,7 +2744,6 @@
               <a:rPr kumimoji="1" lang="ja-JP" altLang="en-US"/>
               <a:t>マスター タイトルの書式設定</a:t>
             </a:r>
-            <a:endParaRPr kumimoji="1" lang="ja-JP" altLang="en-US"/>
           </a:p>
         </p:txBody>
       </p:sp>
@@ -2809,7 +2777,6 @@
               <a:rPr kumimoji="1" lang="ja-JP" altLang="en-US"/>
               <a:t>マスター テキストの書式設定</a:t>
             </a:r>
-            <a:endParaRPr kumimoji="1" lang="ja-JP" altLang="en-US"/>
           </a:p>
           <a:p>
             <a:pPr lvl="1"/>
@@ -2825,7 +2792,6 @@
               <a:rPr kumimoji="1" lang="ja-JP" altLang="en-US"/>
               <a:t>レベル</a:t>
             </a:r>
-            <a:endParaRPr kumimoji="1" lang="ja-JP" altLang="en-US"/>
           </a:p>
           <a:p>
             <a:pPr lvl="2"/>
@@ -2841,7 +2807,6 @@
               <a:rPr kumimoji="1" lang="ja-JP" altLang="en-US"/>
               <a:t>レベル</a:t>
             </a:r>
-            <a:endParaRPr kumimoji="1" lang="ja-JP" altLang="en-US"/>
           </a:p>
           <a:p>
             <a:pPr lvl="3"/>
@@ -2857,7 +2822,6 @@
               <a:rPr kumimoji="1" lang="ja-JP" altLang="en-US"/>
               <a:t>レベル</a:t>
             </a:r>
-            <a:endParaRPr kumimoji="1" lang="ja-JP" altLang="en-US"/>
           </a:p>
           <a:p>
             <a:pPr lvl="4"/>
@@ -2873,7 +2837,6 @@
               <a:rPr kumimoji="1" lang="ja-JP" altLang="en-US"/>
               <a:t>レベル</a:t>
             </a:r>
-            <a:endParaRPr kumimoji="1" lang="ja-JP" altLang="en-US"/>
           </a:p>
         </p:txBody>
       </p:sp>
@@ -2912,6 +2875,7 @@
           <a:p>
             <a:fld id="{7A42870F-4E67-46E2-8F18-B2501CC1ED92}" type="datetimeFigureOut">
               <a:rPr kumimoji="1" lang="ja-JP" altLang="en-US" smtClean="0"/>
+              <a:t>2021/7/27</a:t>
             </a:fld>
             <a:endParaRPr kumimoji="1" lang="ja-JP" altLang="en-US"/>
           </a:p>
@@ -2989,6 +2953,7 @@
           <a:p>
             <a:fld id="{36BFA407-E3F7-4BB5-855E-B0C3295D223F}" type="slidenum">
               <a:rPr kumimoji="1" lang="ja-JP" altLang="en-US" smtClean="0"/>
+              <a:t>‹#›</a:t>
             </a:fld>
             <a:endParaRPr kumimoji="1" lang="ja-JP" altLang="en-US"/>
           </a:p>
@@ -3313,22 +3278,28 @@
       </p:grpSpPr>
       <p:pic>
         <p:nvPicPr>
-          <p:cNvPr id="2" name="図形 1"/>
+          <p:cNvPr id="4" name="図 3">
+            <a:extLst>
+              <a:ext uri="{FF2B5EF4-FFF2-40B4-BE49-F238E27FC236}">
+                <a16:creationId xmlns:a16="http://schemas.microsoft.com/office/drawing/2014/main" id="{B7FA9FBF-C729-4969-B213-5A87648F93EC}"/>
+              </a:ext>
+            </a:extLst>
+          </p:cNvPr>
           <p:cNvPicPr>
             <a:picLocks noChangeAspect="1"/>
           </p:cNvPicPr>
           <p:nvPr/>
         </p:nvPicPr>
         <p:blipFill>
-          <a:blip r:embed="rId1"/>
+          <a:blip r:embed="rId2"/>
           <a:stretch>
             <a:fillRect/>
           </a:stretch>
         </p:blipFill>
         <p:spPr>
           <a:xfrm>
-            <a:off x="1437005" y="935990"/>
-            <a:ext cx="9317990" cy="4985385"/>
+            <a:off x="329333" y="343285"/>
+            <a:ext cx="11533333" cy="6171429"/>
           </a:xfrm>
           <a:prstGeom prst="rect">
             <a:avLst/>
@@ -3362,22 +3333,28 @@
       </p:grpSpPr>
       <p:pic>
         <p:nvPicPr>
-          <p:cNvPr id="2" name="図形 1"/>
+          <p:cNvPr id="11" name="図 10">
+            <a:extLst>
+              <a:ext uri="{FF2B5EF4-FFF2-40B4-BE49-F238E27FC236}">
+                <a16:creationId xmlns:a16="http://schemas.microsoft.com/office/drawing/2014/main" id="{39838E9D-2930-420D-8573-F31B2C57BB1F}"/>
+              </a:ext>
+            </a:extLst>
+          </p:cNvPr>
           <p:cNvPicPr>
             <a:picLocks noChangeAspect="1"/>
           </p:cNvPicPr>
           <p:nvPr/>
         </p:nvPicPr>
         <p:blipFill>
-          <a:blip r:embed="rId1"/>
+          <a:blip r:embed="rId2"/>
           <a:stretch>
             <a:fillRect/>
           </a:stretch>
         </p:blipFill>
         <p:spPr>
           <a:xfrm>
-            <a:off x="1437005" y="935990"/>
-            <a:ext cx="9317990" cy="4985385"/>
+            <a:off x="1218427" y="538804"/>
+            <a:ext cx="10802549" cy="5780391"/>
           </a:xfrm>
           <a:prstGeom prst="rect">
             <a:avLst/>
@@ -3392,8 +3369,8 @@
         </p:nvSpPr>
         <p:spPr>
           <a:xfrm>
-            <a:off x="173632" y="2856851"/>
-            <a:ext cx="1181344" cy="379205"/>
+            <a:off x="37083" y="2690597"/>
+            <a:ext cx="1181344" cy="533766"/>
           </a:xfrm>
           <a:prstGeom prst="rect">
             <a:avLst/>
@@ -3421,7 +3398,7 @@
                 <a:ea typeface="ＭＳ Ｐゴシック" panose="020B0600070205080204" charset="-128"/>
                 <a:cs typeface="Arial" panose="020B0604020202020204" pitchFamily="34" charset="0"/>
               </a:rPr>
-              <a:t> Input inlet fluid states, p and T.</a:t>
+              <a:t> Input: flight altitude and speed (Mach number).</a:t>
             </a:r>
             <a:endParaRPr lang="ja-JP" altLang="en-US" sz="905" dirty="0">
               <a:latin typeface="ＭＳ Ｐゴシック" panose="020B0600070205080204" charset="-128"/>
@@ -3439,8 +3416,8 @@
         </p:nvSpPr>
         <p:spPr>
           <a:xfrm>
-            <a:off x="9811791" y="4256116"/>
-            <a:ext cx="1720740" cy="274136"/>
+            <a:off x="8094132" y="6104476"/>
+            <a:ext cx="1720740" cy="429437"/>
           </a:xfrm>
           <a:prstGeom prst="rect">
             <a:avLst/>
@@ -3468,7 +3445,7 @@
                 <a:ea typeface="ＭＳ Ｐゴシック" panose="020B0600070205080204" charset="-128"/>
                 <a:cs typeface="Arial" panose="020B0604020202020204" pitchFamily="34" charset="0"/>
               </a:rPr>
-              <a:t>Additional load can be applied.</a:t>
+              <a:t>Input: Shaft transmission efficiency. = manipulate loss.</a:t>
             </a:r>
             <a:endParaRPr lang="ja-JP" altLang="en-US" sz="905" dirty="0">
               <a:latin typeface="ＭＳ Ｐゴシック" panose="020B0600070205080204" charset="-128"/>
@@ -3486,8 +3463,8 @@
         </p:nvSpPr>
         <p:spPr>
           <a:xfrm>
-            <a:off x="173632" y="5348264"/>
-            <a:ext cx="1914473" cy="379205"/>
+            <a:off x="627755" y="5348264"/>
+            <a:ext cx="1460350" cy="507489"/>
           </a:xfrm>
           <a:prstGeom prst="rect">
             <a:avLst/>
@@ -3515,7 +3492,7 @@
                 <a:ea typeface="ＭＳ Ｐゴシック" panose="020B0600070205080204" charset="-128"/>
                 <a:cs typeface="Arial" panose="020B0604020202020204" pitchFamily="34" charset="0"/>
               </a:rPr>
-              <a:t> Input the fraction of air and fuel in in-taken air fuel mixture.</a:t>
+              <a:t> Input: the fraction of air and fuel in in-taken air fuel mixture.</a:t>
             </a:r>
             <a:endParaRPr lang="ja-JP" altLang="en-US" sz="905" dirty="0">
               <a:latin typeface="ＭＳ Ｐゴシック" panose="020B0600070205080204" charset="-128"/>
@@ -3533,7 +3510,54 @@
         </p:nvSpPr>
         <p:spPr>
           <a:xfrm>
-            <a:off x="6356469" y="1283415"/>
+            <a:off x="10798233" y="3049795"/>
+            <a:ext cx="1051114" cy="379204"/>
+          </a:xfrm>
+          <a:prstGeom prst="rect">
+            <a:avLst/>
+          </a:prstGeom>
+          <a:solidFill>
+            <a:srgbClr val="00B0F0">
+              <a:alpha val="40000"/>
+            </a:srgbClr>
+          </a:solidFill>
+          <a:ln>
+            <a:solidFill>
+              <a:schemeClr val="tx1"/>
+            </a:solidFill>
+          </a:ln>
+        </p:spPr>
+        <p:txBody>
+          <a:bodyPr wrap="square" rtlCol="0">
+            <a:noAutofit/>
+          </a:bodyPr>
+          <a:lstStyle/>
+          <a:p>
+            <a:r>
+              <a:rPr lang="en-US" altLang="ja-JP" sz="905" dirty="0">
+                <a:latin typeface="ＭＳ Ｐゴシック" panose="020B0600070205080204" charset="-128"/>
+                <a:ea typeface="ＭＳ Ｐゴシック" panose="020B0600070205080204" charset="-128"/>
+                <a:cs typeface="Arial" panose="020B0604020202020204" pitchFamily="34" charset="0"/>
+              </a:rPr>
+              <a:t>Input: shaft rotation speed.</a:t>
+            </a:r>
+            <a:endParaRPr lang="ja-JP" altLang="en-US" sz="905" dirty="0">
+              <a:latin typeface="ＭＳ Ｐゴシック" panose="020B0600070205080204" charset="-128"/>
+              <a:ea typeface="ＭＳ Ｐゴシック" panose="020B0600070205080204" charset="-128"/>
+              <a:cs typeface="Arial" panose="020B0604020202020204" pitchFamily="34" charset="0"/>
+            </a:endParaRPr>
+          </a:p>
+        </p:txBody>
+      </p:sp>
+      <p:sp>
+        <p:nvSpPr>
+          <p:cNvPr id="7" name="テキスト ボックス 6"/>
+          <p:cNvSpPr txBox="1"/>
+          <p:nvPr/>
+        </p:nvSpPr>
+        <p:spPr>
+          <a:xfrm>
+            <a:off x="627755" y="1208705"/>
             <a:ext cx="1515685" cy="379204"/>
           </a:xfrm>
           <a:prstGeom prst="rect">
@@ -3562,7 +3586,7 @@
                 <a:ea typeface="ＭＳ Ｐゴシック" panose="020B0600070205080204" charset="-128"/>
                 <a:cs typeface="Arial" panose="020B0604020202020204" pitchFamily="34" charset="0"/>
               </a:rPr>
-              <a:t>Pressure loss coefficient of orifice.</a:t>
+              <a:t>Input: Discharge coefficient and opening of throttle.</a:t>
             </a:r>
             <a:endParaRPr lang="ja-JP" altLang="en-US" sz="905" dirty="0">
               <a:latin typeface="ＭＳ Ｐゴシック" panose="020B0600070205080204" charset="-128"/>
@@ -3574,61 +3598,14 @@
       </p:sp>
       <p:sp>
         <p:nvSpPr>
-          <p:cNvPr id="7" name="テキスト ボックス 6"/>
-          <p:cNvSpPr txBox="1"/>
-          <p:nvPr/>
-        </p:nvSpPr>
-        <p:spPr>
-          <a:xfrm>
-            <a:off x="2144687" y="1285928"/>
-            <a:ext cx="1515685" cy="379204"/>
-          </a:xfrm>
-          <a:prstGeom prst="rect">
-            <a:avLst/>
-          </a:prstGeom>
-          <a:solidFill>
-            <a:srgbClr val="00B0F0">
-              <a:alpha val="40000"/>
-            </a:srgbClr>
-          </a:solidFill>
-          <a:ln>
-            <a:solidFill>
-              <a:schemeClr val="tx1"/>
-            </a:solidFill>
-          </a:ln>
-        </p:spPr>
-        <p:txBody>
-          <a:bodyPr wrap="square" rtlCol="0">
-            <a:noAutofit/>
-          </a:bodyPr>
-          <a:lstStyle/>
-          <a:p>
-            <a:r>
-              <a:rPr lang="en-US" altLang="ja-JP" sz="905" dirty="0">
-                <a:latin typeface="ＭＳ Ｐゴシック" panose="020B0600070205080204" charset="-128"/>
-                <a:ea typeface="ＭＳ Ｐゴシック" panose="020B0600070205080204" charset="-128"/>
-                <a:cs typeface="Arial" panose="020B0604020202020204" pitchFamily="34" charset="0"/>
-              </a:rPr>
-              <a:t>Pressure loss coefficient of orifice.</a:t>
-            </a:r>
-            <a:endParaRPr lang="ja-JP" altLang="en-US" sz="905" dirty="0">
-              <a:latin typeface="ＭＳ Ｐゴシック" panose="020B0600070205080204" charset="-128"/>
-              <a:ea typeface="ＭＳ Ｐゴシック" panose="020B0600070205080204" charset="-128"/>
-              <a:cs typeface="Arial" panose="020B0604020202020204" pitchFamily="34" charset="0"/>
-            </a:endParaRPr>
-          </a:p>
-        </p:txBody>
-      </p:sp>
-      <p:sp>
-        <p:nvSpPr>
           <p:cNvPr id="8" name="テキスト ボックス 7"/>
           <p:cNvSpPr txBox="1"/>
           <p:nvPr/>
         </p:nvSpPr>
         <p:spPr>
           <a:xfrm>
-            <a:off x="5370022" y="5727469"/>
-            <a:ext cx="2662694" cy="971290"/>
+            <a:off x="5527965" y="5348264"/>
+            <a:ext cx="1617485" cy="244324"/>
           </a:xfrm>
           <a:prstGeom prst="rect">
             <a:avLst/>
@@ -3656,69 +3633,11 @@
                 <a:ea typeface="ＭＳ Ｐゴシック" panose="020B0600070205080204" charset="-128"/>
                 <a:cs typeface="Arial" panose="020B0604020202020204" pitchFamily="34" charset="0"/>
               </a:rPr>
-              <a:t> Viscos friction. The friction torque is proportional to the shaft absolute angular velocity (shaft speed relative to fixed surrounding world) of shaft speed.</a:t>
-            </a:r>
-            <a:endParaRPr lang="en-US" altLang="ja-JP" sz="905" dirty="0">
-              <a:latin typeface="ＭＳ Ｐゴシック" panose="020B0600070205080204" charset="-128"/>
-              <a:ea typeface="ＭＳ Ｐゴシック" panose="020B0600070205080204" charset="-128"/>
-              <a:cs typeface="Arial" panose="020B0604020202020204" pitchFamily="34" charset="0"/>
-            </a:endParaRPr>
-          </a:p>
-          <a:p>
-            <a:r>
-              <a:rPr lang="en-US" altLang="ja-JP" sz="905" dirty="0">
-                <a:latin typeface="ＭＳ Ｐゴシック" panose="020B0600070205080204" charset="-128"/>
-                <a:ea typeface="ＭＳ Ｐゴシック" panose="020B0600070205080204" charset="-128"/>
-                <a:cs typeface="Arial" panose="020B0604020202020204" pitchFamily="34" charset="0"/>
-              </a:rPr>
-              <a:t> Shaft rotation gets steady at the angular speed at which the engine torque output is in equilibrium with friction torque. </a:t>
-            </a:r>
-            <a:endParaRPr lang="en-US" altLang="ja-JP" sz="905" dirty="0">
-              <a:latin typeface="ＭＳ Ｐゴシック" panose="020B0600070205080204" charset="-128"/>
-              <a:ea typeface="ＭＳ Ｐゴシック" panose="020B0600070205080204" charset="-128"/>
-              <a:cs typeface="Arial" panose="020B0604020202020204" pitchFamily="34" charset="0"/>
-            </a:endParaRPr>
-          </a:p>
-        </p:txBody>
-      </p:sp>
-      <p:cxnSp>
-        <p:nvCxnSpPr>
-          <p:cNvPr id="9" name="直線矢印コネクタ 8"/>
-          <p:cNvCxnSpPr>
-            <a:stCxn id="8" idx="3"/>
-          </p:cNvCxnSpPr>
-          <p:nvPr/>
-        </p:nvCxnSpPr>
-        <p:spPr>
-          <a:xfrm flipV="1">
-            <a:off x="8032716" y="6010104"/>
-            <a:ext cx="895153" cy="203010"/>
-          </a:xfrm>
-          <a:prstGeom prst="straightConnector1">
-            <a:avLst/>
-          </a:prstGeom>
-          <a:ln w="12700">
-            <a:solidFill>
-              <a:schemeClr val="tx1"/>
-            </a:solidFill>
-            <a:tailEnd type="oval"/>
-          </a:ln>
-        </p:spPr>
-        <p:style>
-          <a:lnRef idx="1">
-            <a:schemeClr val="accent1"/>
-          </a:lnRef>
-          <a:fillRef idx="0">
-            <a:schemeClr val="accent1"/>
-          </a:fillRef>
-          <a:effectRef idx="0">
-            <a:schemeClr val="accent1"/>
-          </a:effectRef>
-          <a:fontRef idx="minor">
-            <a:schemeClr val="tx1"/>
-          </a:fontRef>
-        </p:style>
-      </p:cxnSp>
+              <a:t> 4 piston-cylinders in series. </a:t>
+            </a:r>
+          </a:p>
+        </p:txBody>
+      </p:sp>
       <p:sp>
         <p:nvSpPr>
           <p:cNvPr id="15" name="テキスト ボックス 14"/>
@@ -3727,8 +3646,8 @@
         </p:nvSpPr>
         <p:spPr>
           <a:xfrm>
-            <a:off x="4206666" y="1812175"/>
-            <a:ext cx="2111007" cy="573578"/>
+            <a:off x="2601884" y="4269200"/>
+            <a:ext cx="1367630" cy="379204"/>
           </a:xfrm>
           <a:prstGeom prst="rect">
             <a:avLst/>
@@ -3756,30 +3675,7 @@
                 <a:ea typeface="ＭＳ Ｐゴシック" panose="020B0600070205080204" charset="-128"/>
                 <a:cs typeface="Arial" panose="020B0604020202020204" pitchFamily="34" charset="0"/>
               </a:rPr>
-              <a:t> Controllable flow restriction. </a:t>
-            </a:r>
-            <a:endParaRPr lang="en-US" altLang="ja-JP" sz="905" dirty="0">
-              <a:latin typeface="ＭＳ Ｐゴシック" panose="020B0600070205080204" charset="-128"/>
-              <a:ea typeface="ＭＳ Ｐゴシック" panose="020B0600070205080204" charset="-128"/>
-              <a:cs typeface="Arial" panose="020B0604020202020204" pitchFamily="34" charset="0"/>
-            </a:endParaRPr>
-          </a:p>
-          <a:p>
-            <a:r>
-              <a:rPr lang="ja-JP" altLang="en-US" sz="905" dirty="0">
-                <a:latin typeface="ＭＳ Ｐゴシック" panose="020B0600070205080204" charset="-128"/>
-                <a:ea typeface="ＭＳ Ｐゴシック" panose="020B0600070205080204" charset="-128"/>
-                <a:cs typeface="Arial" panose="020B0604020202020204" pitchFamily="34" charset="0"/>
-              </a:rPr>
-              <a:t> </a:t>
-            </a:r>
-            <a:r>
-              <a:rPr lang="en-US" altLang="ja-JP" sz="905" dirty="0">
-                <a:latin typeface="ＭＳ Ｐゴシック" panose="020B0600070205080204" charset="-128"/>
-                <a:ea typeface="ＭＳ Ｐゴシック" panose="020B0600070205080204" charset="-128"/>
-                <a:cs typeface="Arial" panose="020B0604020202020204" pitchFamily="34" charset="0"/>
-              </a:rPr>
-              <a:t>The pressure loss coefficient can be manipulated by external real signal.</a:t>
+              <a:t>Convert intake manifold pressure to [inHg].</a:t>
             </a:r>
             <a:endParaRPr lang="ja-JP" altLang="en-US" sz="905" dirty="0">
               <a:latin typeface="ＭＳ Ｐゴシック" panose="020B0600070205080204" charset="-128"/>
@@ -3791,16 +3687,23 @@
       </p:sp>
       <p:cxnSp>
         <p:nvCxnSpPr>
-          <p:cNvPr id="16" name="直線矢印コネクタ 15"/>
+          <p:cNvPr id="17" name="直線矢印コネクタ 16">
+            <a:extLst>
+              <a:ext uri="{FF2B5EF4-FFF2-40B4-BE49-F238E27FC236}">
+                <a16:creationId xmlns:a16="http://schemas.microsoft.com/office/drawing/2014/main" id="{266C514F-C299-44DA-B4A5-BA0BD6D45873}"/>
+              </a:ext>
+            </a:extLst>
+          </p:cNvPr>
           <p:cNvCxnSpPr>
-            <a:stCxn id="15" idx="2"/>
+            <a:cxnSpLocks/>
+            <a:stCxn id="4" idx="0"/>
           </p:cNvCxnSpPr>
           <p:nvPr/>
         </p:nvCxnSpPr>
         <p:spPr>
-          <a:xfrm>
-            <a:off x="5262170" y="2385753"/>
-            <a:ext cx="1852141" cy="1043247"/>
+          <a:xfrm flipV="1">
+            <a:off x="8954502" y="5727469"/>
+            <a:ext cx="98996" cy="377007"/>
           </a:xfrm>
           <a:prstGeom prst="straightConnector1">
             <a:avLst/>
@@ -3829,16 +3732,343 @@
       </p:cxnSp>
       <p:cxnSp>
         <p:nvCxnSpPr>
-          <p:cNvPr id="19" name="直線矢印コネクタ 18"/>
+          <p:cNvPr id="20" name="直線矢印コネクタ 19">
+            <a:extLst>
+              <a:ext uri="{FF2B5EF4-FFF2-40B4-BE49-F238E27FC236}">
+                <a16:creationId xmlns:a16="http://schemas.microsoft.com/office/drawing/2014/main" id="{03922A17-3EAE-4E0B-844F-9CBD5A8798D3}"/>
+              </a:ext>
+            </a:extLst>
+          </p:cNvPr>
           <p:cNvCxnSpPr>
-            <a:stCxn id="15" idx="2"/>
+            <a:cxnSpLocks/>
+            <a:stCxn id="15" idx="0"/>
+          </p:cNvCxnSpPr>
+          <p:nvPr/>
+        </p:nvCxnSpPr>
+        <p:spPr>
+          <a:xfrm flipV="1">
+            <a:off x="3285699" y="3890356"/>
+            <a:ext cx="0" cy="378844"/>
+          </a:xfrm>
+          <a:prstGeom prst="straightConnector1">
+            <a:avLst/>
+          </a:prstGeom>
+          <a:ln w="12700">
+            <a:solidFill>
+              <a:schemeClr val="tx1"/>
+            </a:solidFill>
+            <a:tailEnd type="oval"/>
+          </a:ln>
+        </p:spPr>
+        <p:style>
+          <a:lnRef idx="1">
+            <a:schemeClr val="accent1"/>
+          </a:lnRef>
+          <a:fillRef idx="0">
+            <a:schemeClr val="accent1"/>
+          </a:fillRef>
+          <a:effectRef idx="0">
+            <a:schemeClr val="accent1"/>
+          </a:effectRef>
+          <a:fontRef idx="minor">
+            <a:schemeClr val="tx1"/>
+          </a:fontRef>
+        </p:style>
+      </p:cxnSp>
+      <p:sp>
+        <p:nvSpPr>
+          <p:cNvPr id="23" name="テキスト ボックス 22">
+            <a:extLst>
+              <a:ext uri="{FF2B5EF4-FFF2-40B4-BE49-F238E27FC236}">
+                <a16:creationId xmlns:a16="http://schemas.microsoft.com/office/drawing/2014/main" id="{E5FDD9A2-D072-47F3-954A-C49886B5FEF6}"/>
+              </a:ext>
+            </a:extLst>
+          </p:cNvPr>
+          <p:cNvSpPr txBox="1"/>
+          <p:nvPr/>
+        </p:nvSpPr>
+        <p:spPr>
+          <a:xfrm>
+            <a:off x="10234842" y="5536768"/>
+            <a:ext cx="1367630" cy="379204"/>
+          </a:xfrm>
+          <a:prstGeom prst="rect">
+            <a:avLst/>
+          </a:prstGeom>
+          <a:solidFill>
+            <a:srgbClr val="92D050">
+              <a:alpha val="40000"/>
+            </a:srgbClr>
+          </a:solidFill>
+          <a:ln>
+            <a:solidFill>
+              <a:schemeClr val="tx1"/>
+            </a:solidFill>
+          </a:ln>
+        </p:spPr>
+        <p:txBody>
+          <a:bodyPr wrap="square" rtlCol="0">
+            <a:noAutofit/>
+          </a:bodyPr>
+          <a:lstStyle/>
+          <a:p>
+            <a:r>
+              <a:rPr lang="en-US" altLang="ja-JP" sz="905" dirty="0">
+                <a:latin typeface="ＭＳ Ｐゴシック" panose="020B0600070205080204" charset="-128"/>
+                <a:ea typeface="ＭＳ Ｐゴシック" panose="020B0600070205080204" charset="-128"/>
+                <a:cs typeface="Arial" panose="020B0604020202020204" pitchFamily="34" charset="0"/>
+              </a:rPr>
+              <a:t>Convert available shaft power output into [hp].</a:t>
+            </a:r>
+            <a:endParaRPr lang="ja-JP" altLang="en-US" sz="905" dirty="0">
+              <a:latin typeface="ＭＳ Ｐゴシック" panose="020B0600070205080204" charset="-128"/>
+              <a:ea typeface="ＭＳ Ｐゴシック" panose="020B0600070205080204" charset="-128"/>
+              <a:cs typeface="Arial" panose="020B0604020202020204" pitchFamily="34" charset="0"/>
+            </a:endParaRPr>
+          </a:p>
+        </p:txBody>
+      </p:sp>
+      <p:cxnSp>
+        <p:nvCxnSpPr>
+          <p:cNvPr id="25" name="直線矢印コネクタ 24">
+            <a:extLst>
+              <a:ext uri="{FF2B5EF4-FFF2-40B4-BE49-F238E27FC236}">
+                <a16:creationId xmlns:a16="http://schemas.microsoft.com/office/drawing/2014/main" id="{6D2BBF7D-2B58-4DC6-B48E-72AEB3293D97}"/>
+              </a:ext>
+            </a:extLst>
+          </p:cNvPr>
+          <p:cNvCxnSpPr>
+            <a:cxnSpLocks/>
+            <a:stCxn id="23" idx="1"/>
           </p:cNvCxnSpPr>
           <p:nvPr/>
         </p:nvCxnSpPr>
         <p:spPr>
           <a:xfrm flipH="1">
-            <a:off x="4336472" y="2385753"/>
-            <a:ext cx="925698" cy="595506"/>
+            <a:off x="9814872" y="5726370"/>
+            <a:ext cx="419970" cy="0"/>
+          </a:xfrm>
+          <a:prstGeom prst="straightConnector1">
+            <a:avLst/>
+          </a:prstGeom>
+          <a:ln w="12700">
+            <a:solidFill>
+              <a:schemeClr val="tx1"/>
+            </a:solidFill>
+            <a:tailEnd type="oval"/>
+          </a:ln>
+        </p:spPr>
+        <p:style>
+          <a:lnRef idx="1">
+            <a:schemeClr val="accent1"/>
+          </a:lnRef>
+          <a:fillRef idx="0">
+            <a:schemeClr val="accent1"/>
+          </a:fillRef>
+          <a:effectRef idx="0">
+            <a:schemeClr val="accent1"/>
+          </a:effectRef>
+          <a:fontRef idx="minor">
+            <a:schemeClr val="tx1"/>
+          </a:fontRef>
+        </p:style>
+      </p:cxnSp>
+      <p:sp>
+        <p:nvSpPr>
+          <p:cNvPr id="29" name="テキスト ボックス 28">
+            <a:extLst>
+              <a:ext uri="{FF2B5EF4-FFF2-40B4-BE49-F238E27FC236}">
+                <a16:creationId xmlns:a16="http://schemas.microsoft.com/office/drawing/2014/main" id="{A7E11EF5-0479-4618-A939-16E2C4373CB0}"/>
+              </a:ext>
+            </a:extLst>
+          </p:cNvPr>
+          <p:cNvSpPr txBox="1"/>
+          <p:nvPr/>
+        </p:nvSpPr>
+        <p:spPr>
+          <a:xfrm>
+            <a:off x="1853738" y="3405930"/>
+            <a:ext cx="1214333" cy="507493"/>
+          </a:xfrm>
+          <a:prstGeom prst="rect">
+            <a:avLst/>
+          </a:prstGeom>
+          <a:solidFill>
+            <a:srgbClr val="92D050">
+              <a:alpha val="40000"/>
+            </a:srgbClr>
+          </a:solidFill>
+          <a:ln>
+            <a:solidFill>
+              <a:schemeClr val="tx1"/>
+            </a:solidFill>
+          </a:ln>
+        </p:spPr>
+        <p:txBody>
+          <a:bodyPr wrap="square" rtlCol="0">
+            <a:noAutofit/>
+          </a:bodyPr>
+          <a:lstStyle/>
+          <a:p>
+            <a:r>
+              <a:rPr lang="en-US" altLang="ja-JP" sz="905" dirty="0">
+                <a:latin typeface="ＭＳ Ｐゴシック" panose="020B0600070205080204" charset="-128"/>
+                <a:ea typeface="ＭＳ Ｐゴシック" panose="020B0600070205080204" charset="-128"/>
+                <a:cs typeface="Arial" panose="020B0604020202020204" pitchFamily="34" charset="0"/>
+              </a:rPr>
+              <a:t>Throttle valve.</a:t>
+            </a:r>
+          </a:p>
+          <a:p>
+            <a:r>
+              <a:rPr lang="en-US" altLang="ja-JP" sz="905" dirty="0">
+                <a:latin typeface="ＭＳ Ｐゴシック" panose="020B0600070205080204" charset="-128"/>
+                <a:ea typeface="ＭＳ Ｐゴシック" panose="020B0600070205080204" charset="-128"/>
+                <a:cs typeface="Arial" panose="020B0604020202020204" pitchFamily="34" charset="0"/>
+              </a:rPr>
+              <a:t>Simulated by variable </a:t>
+            </a:r>
+            <a:r>
+              <a:rPr lang="en-US" altLang="ja-JP" sz="905" dirty="0" err="1">
+                <a:latin typeface="ＭＳ Ｐゴシック" panose="020B0600070205080204" charset="-128"/>
+                <a:ea typeface="ＭＳ Ｐゴシック" panose="020B0600070205080204" charset="-128"/>
+                <a:cs typeface="Arial" panose="020B0604020202020204" pitchFamily="34" charset="0"/>
+              </a:rPr>
+              <a:t>area&amp;Cd</a:t>
+            </a:r>
+            <a:r>
+              <a:rPr lang="en-US" altLang="ja-JP" sz="905" dirty="0">
+                <a:latin typeface="ＭＳ Ｐゴシック" panose="020B0600070205080204" charset="-128"/>
+                <a:ea typeface="ＭＳ Ｐゴシック" panose="020B0600070205080204" charset="-128"/>
+                <a:cs typeface="Arial" panose="020B0604020202020204" pitchFamily="34" charset="0"/>
+              </a:rPr>
+              <a:t> orifice</a:t>
+            </a:r>
+            <a:endParaRPr lang="ja-JP" altLang="en-US" sz="905" dirty="0">
+              <a:latin typeface="ＭＳ Ｐゴシック" panose="020B0600070205080204" charset="-128"/>
+              <a:ea typeface="ＭＳ Ｐゴシック" panose="020B0600070205080204" charset="-128"/>
+              <a:cs typeface="Arial" panose="020B0604020202020204" pitchFamily="34" charset="0"/>
+            </a:endParaRPr>
+          </a:p>
+        </p:txBody>
+      </p:sp>
+      <p:cxnSp>
+        <p:nvCxnSpPr>
+          <p:cNvPr id="30" name="直線矢印コネクタ 29">
+            <a:extLst>
+              <a:ext uri="{FF2B5EF4-FFF2-40B4-BE49-F238E27FC236}">
+                <a16:creationId xmlns:a16="http://schemas.microsoft.com/office/drawing/2014/main" id="{02B8DD36-33AC-4CEF-A3EB-371C13FC7B84}"/>
+              </a:ext>
+            </a:extLst>
+          </p:cNvPr>
+          <p:cNvCxnSpPr>
+            <a:cxnSpLocks/>
+            <a:stCxn id="29" idx="0"/>
+          </p:cNvCxnSpPr>
+          <p:nvPr/>
+        </p:nvCxnSpPr>
+        <p:spPr>
+          <a:xfrm flipV="1">
+            <a:off x="2460905" y="3049795"/>
+            <a:ext cx="332171" cy="356135"/>
+          </a:xfrm>
+          <a:prstGeom prst="straightConnector1">
+            <a:avLst/>
+          </a:prstGeom>
+          <a:ln w="12700">
+            <a:solidFill>
+              <a:schemeClr val="tx1"/>
+            </a:solidFill>
+            <a:tailEnd type="oval"/>
+          </a:ln>
+        </p:spPr>
+        <p:style>
+          <a:lnRef idx="1">
+            <a:schemeClr val="accent1"/>
+          </a:lnRef>
+          <a:fillRef idx="0">
+            <a:schemeClr val="accent1"/>
+          </a:fillRef>
+          <a:effectRef idx="0">
+            <a:schemeClr val="accent1"/>
+          </a:effectRef>
+          <a:fontRef idx="minor">
+            <a:schemeClr val="tx1"/>
+          </a:fontRef>
+        </p:style>
+      </p:cxnSp>
+      <p:sp>
+        <p:nvSpPr>
+          <p:cNvPr id="35" name="テキスト ボックス 34">
+            <a:extLst>
+              <a:ext uri="{FF2B5EF4-FFF2-40B4-BE49-F238E27FC236}">
+                <a16:creationId xmlns:a16="http://schemas.microsoft.com/office/drawing/2014/main" id="{188C94B3-390F-46D9-8101-84A3252BD9A2}"/>
+              </a:ext>
+            </a:extLst>
+          </p:cNvPr>
+          <p:cNvSpPr txBox="1"/>
+          <p:nvPr/>
+        </p:nvSpPr>
+        <p:spPr>
+          <a:xfrm>
+            <a:off x="4364183" y="1402496"/>
+            <a:ext cx="1214333" cy="379204"/>
+          </a:xfrm>
+          <a:prstGeom prst="rect">
+            <a:avLst/>
+          </a:prstGeom>
+          <a:solidFill>
+            <a:srgbClr val="92D050">
+              <a:alpha val="40000"/>
+            </a:srgbClr>
+          </a:solidFill>
+          <a:ln>
+            <a:solidFill>
+              <a:schemeClr val="tx1"/>
+            </a:solidFill>
+          </a:ln>
+        </p:spPr>
+        <p:txBody>
+          <a:bodyPr wrap="square" rtlCol="0">
+            <a:noAutofit/>
+          </a:bodyPr>
+          <a:lstStyle/>
+          <a:p>
+            <a:r>
+              <a:rPr lang="en-US" altLang="ja-JP" sz="905" dirty="0">
+                <a:latin typeface="ＭＳ Ｐゴシック" panose="020B0600070205080204" charset="-128"/>
+                <a:ea typeface="ＭＳ Ｐゴシック" panose="020B0600070205080204" charset="-128"/>
+                <a:cs typeface="Arial" panose="020B0604020202020204" pitchFamily="34" charset="0"/>
+              </a:rPr>
+              <a:t>Exhaust line pressure loss</a:t>
+            </a:r>
+            <a:endParaRPr lang="ja-JP" altLang="en-US" sz="905" dirty="0">
+              <a:latin typeface="ＭＳ Ｐゴシック" panose="020B0600070205080204" charset="-128"/>
+              <a:ea typeface="ＭＳ Ｐゴシック" panose="020B0600070205080204" charset="-128"/>
+              <a:cs typeface="Arial" panose="020B0604020202020204" pitchFamily="34" charset="0"/>
+            </a:endParaRPr>
+          </a:p>
+        </p:txBody>
+      </p:sp>
+      <p:cxnSp>
+        <p:nvCxnSpPr>
+          <p:cNvPr id="36" name="直線矢印コネクタ 35">
+            <a:extLst>
+              <a:ext uri="{FF2B5EF4-FFF2-40B4-BE49-F238E27FC236}">
+                <a16:creationId xmlns:a16="http://schemas.microsoft.com/office/drawing/2014/main" id="{E70552A1-9FD6-492A-83E4-7060C8BD71DC}"/>
+              </a:ext>
+            </a:extLst>
+          </p:cNvPr>
+          <p:cNvCxnSpPr>
+            <a:cxnSpLocks/>
+            <a:stCxn id="35" idx="2"/>
+          </p:cNvCxnSpPr>
+          <p:nvPr/>
+        </p:nvCxnSpPr>
+        <p:spPr>
+          <a:xfrm flipH="1">
+            <a:off x="4313106" y="1781700"/>
+            <a:ext cx="658244" cy="507493"/>
           </a:xfrm>
           <a:prstGeom prst="straightConnector1">
             <a:avLst/>
@@ -4124,6 +4354,8 @@
       </a:bgFillStyleLst>
     </a:fmtScheme>
   </a:themeElements>
+  <a:objectDefaults/>
+  <a:extraClrSchemeLst/>
   <a:extLst>
     <a:ext uri="{05A4C25C-085E-4340-85A3-A5531E510DB2}">
       <thm15:themeFamily xmlns:thm15="http://schemas.microsoft.com/office/thememl/2012/main" name="Office Theme" id="{62F939B6-93AF-4DB8-9C6B-D6C7DFDC589F}" vid="{4A3C46E8-61CC-4603-A589-7422A47A8E4A}"/>
